--- a/source/도커심화_한권으로_배우는_도커_&_쿠버네티스/ch07_쿠버네티스의 기본구조_wooseok.pptx
+++ b/source/도커심화_한권으로_배우는_도커_&_쿠버네티스/ch07_쿠버네티스의 기본구조_wooseok.pptx
@@ -1136,11 +1136,7 @@
             </a:pPr>
             <a:r>
               <a:rPr lang="ko-KR" altLang="en-US" dirty="0" smtClean="0"/>
-              <a:t>쿠버네티스의 </a:t>
-            </a:r>
-            <a:r>
-              <a:rPr lang="ko-KR" altLang="en-US" dirty="0" smtClean="0"/>
-              <a:t>서비스를 이용하면 파드를 여러개 묶어서 클러스터 외부로 노출 가능</a:t>
+              <a:t>쿠버네티스의 서비스를 이용하면 파드를 여러개 묶어서 클러스터 외부로 노출 가능</a:t>
             </a:r>
             <a:r>
               <a:rPr lang="en-US" altLang="ko-KR" dirty="0" smtClean="0"/>
@@ -1177,11 +1173,7 @@
             </a:pPr>
             <a:r>
               <a:rPr lang="ko-KR" altLang="en-US" baseline="0" dirty="0" smtClean="0"/>
-              <a:t>컨테이너 </a:t>
-            </a:r>
-            <a:r>
-              <a:rPr lang="ko-KR" altLang="en-US" baseline="0" dirty="0" smtClean="0"/>
-              <a:t>내부에 존재하는 파일은 수명이 짧으므로</a:t>
+              <a:t>컨테이너 내부에 존재하는 파일은 수명이 짧으므로</a:t>
             </a:r>
             <a:r>
               <a:rPr lang="en-US" altLang="ko-KR" baseline="0" dirty="0" smtClean="0"/>
@@ -1542,129 +1534,7 @@
             </a:endParaRPr>
           </a:p>
           <a:p>
-            <a:r>
-              <a:rPr lang="ko-KR" altLang="en-US" sz="1200" b="0" i="0" kern="1200" dirty="0" smtClean="0">
-                <a:solidFill>
-                  <a:schemeClr val="tx1"/>
-                </a:solidFill>
-                <a:effectLst/>
-                <a:latin typeface="+mn-lt"/>
-                <a:ea typeface="+mn-ea"/>
-                <a:cs typeface="+mn-cs"/>
-              </a:rPr>
-              <a:t>구성 요소</a:t>
-            </a:r>
-            <a:r>
-              <a:rPr lang="en-US" altLang="ko-KR" sz="1200" b="0" i="0" kern="1200" dirty="0" smtClean="0">
-                <a:solidFill>
-                  <a:schemeClr val="tx1"/>
-                </a:solidFill>
-                <a:effectLst/>
-                <a:latin typeface="+mn-lt"/>
-                <a:ea typeface="+mn-ea"/>
-                <a:cs typeface="+mn-cs"/>
-              </a:rPr>
-              <a:t>Ingress Resource: </a:t>
-            </a:r>
-            <a:r>
-              <a:rPr lang="ko-KR" altLang="en-US" sz="1200" b="0" i="0" kern="1200" dirty="0" smtClean="0">
-                <a:solidFill>
-                  <a:schemeClr val="tx1"/>
-                </a:solidFill>
-                <a:effectLst/>
-                <a:latin typeface="+mn-lt"/>
-                <a:ea typeface="+mn-ea"/>
-                <a:cs typeface="+mn-cs"/>
-              </a:rPr>
-              <a:t>라우팅 규칙을 정의하는 쿠버네티스 오브젝트</a:t>
-            </a:r>
-          </a:p>
-          <a:p>
-            <a:r>
-              <a:rPr lang="en-US" altLang="ko-KR" sz="1200" b="0" i="0" kern="1200" dirty="0" smtClean="0">
-                <a:solidFill>
-                  <a:schemeClr val="tx1"/>
-                </a:solidFill>
-                <a:effectLst/>
-                <a:latin typeface="+mn-lt"/>
-                <a:ea typeface="+mn-ea"/>
-                <a:cs typeface="+mn-cs"/>
-              </a:rPr>
-              <a:t>Ingress Controller: </a:t>
-            </a:r>
-            <a:r>
-              <a:rPr lang="ko-KR" altLang="en-US" sz="1200" b="0" i="0" kern="1200" dirty="0" smtClean="0">
-                <a:solidFill>
-                  <a:schemeClr val="tx1"/>
-                </a:solidFill>
-                <a:effectLst/>
-                <a:latin typeface="+mn-lt"/>
-                <a:ea typeface="+mn-ea"/>
-                <a:cs typeface="+mn-cs"/>
-              </a:rPr>
-              <a:t>실제 규칙을 구현하는 컨트롤러</a:t>
-            </a:r>
-            <a:r>
-              <a:rPr lang="en-US" altLang="ko-KR" sz="1200" b="0" i="0" kern="1200" dirty="0" smtClean="0">
-                <a:solidFill>
-                  <a:schemeClr val="tx1"/>
-                </a:solidFill>
-                <a:effectLst/>
-                <a:latin typeface="+mn-lt"/>
-                <a:ea typeface="+mn-ea"/>
-                <a:cs typeface="+mn-cs"/>
-              </a:rPr>
-              <a:t>(</a:t>
-            </a:r>
-            <a:r>
-              <a:rPr lang="ko-KR" altLang="en-US" sz="1200" b="0" i="0" kern="1200" dirty="0" smtClean="0">
-                <a:solidFill>
-                  <a:schemeClr val="tx1"/>
-                </a:solidFill>
-                <a:effectLst/>
-                <a:latin typeface="+mn-lt"/>
-                <a:ea typeface="+mn-ea"/>
-                <a:cs typeface="+mn-cs"/>
-              </a:rPr>
-              <a:t>예</a:t>
-            </a:r>
-            <a:r>
-              <a:rPr lang="en-US" altLang="ko-KR" sz="1200" b="0" i="0" kern="1200" dirty="0" smtClean="0">
-                <a:solidFill>
-                  <a:schemeClr val="tx1"/>
-                </a:solidFill>
-                <a:effectLst/>
-                <a:latin typeface="+mn-lt"/>
-                <a:ea typeface="+mn-ea"/>
-                <a:cs typeface="+mn-cs"/>
-              </a:rPr>
-              <a:t>: </a:t>
-            </a:r>
-            <a:r>
-              <a:rPr lang="en-US" altLang="ko-KR" sz="1200" b="0" i="0" kern="1200" dirty="0" err="1" smtClean="0">
-                <a:solidFill>
-                  <a:schemeClr val="tx1"/>
-                </a:solidFill>
-                <a:effectLst/>
-                <a:latin typeface="+mn-lt"/>
-                <a:ea typeface="+mn-ea"/>
-                <a:cs typeface="+mn-cs"/>
-              </a:rPr>
-              <a:t>nginx</a:t>
-            </a:r>
-            <a:r>
-              <a:rPr lang="en-US" altLang="ko-KR" sz="1200" b="0" i="0" kern="1200" dirty="0" smtClean="0">
-                <a:solidFill>
-                  <a:schemeClr val="tx1"/>
-                </a:solidFill>
-                <a:effectLst/>
-                <a:latin typeface="+mn-lt"/>
-                <a:ea typeface="+mn-ea"/>
-                <a:cs typeface="+mn-cs"/>
-              </a:rPr>
-              <a:t>-ingress)</a:t>
-            </a:r>
-            <a:endParaRPr lang="en-US" altLang="ko-KR" sz="1200" b="0" i="0" u="none" strike="noStrike" kern="1200" dirty="0" smtClean="0">
+            <a:endParaRPr lang="en-US" altLang="ko-KR" sz="1200" b="0" i="0" kern="1200" dirty="0" smtClean="0">
               <a:solidFill>
                 <a:schemeClr val="tx1"/>
               </a:solidFill>
@@ -1672,10 +1542,177 @@
               <a:latin typeface="+mn-lt"/>
               <a:ea typeface="+mn-ea"/>
               <a:cs typeface="+mn-cs"/>
-              <a:hlinkClick r:id="rId3"/>
             </a:endParaRPr>
           </a:p>
           <a:p>
+            <a:r>
+              <a:rPr lang="ko-KR" altLang="en-US" sz="1200" b="0" i="0" kern="1200" dirty="0" smtClean="0">
+                <a:solidFill>
+                  <a:schemeClr val="tx1"/>
+                </a:solidFill>
+                <a:effectLst/>
+                <a:latin typeface="+mn-lt"/>
+                <a:ea typeface="+mn-ea"/>
+                <a:cs typeface="+mn-cs"/>
+              </a:rPr>
+              <a:t>구성 요소</a:t>
+            </a:r>
+            <a:endParaRPr lang="en-US" altLang="ko-KR" sz="1200" b="0" i="0" kern="1200" dirty="0" smtClean="0">
+              <a:solidFill>
+                <a:schemeClr val="tx1"/>
+              </a:solidFill>
+              <a:effectLst/>
+              <a:latin typeface="+mn-lt"/>
+              <a:ea typeface="+mn-ea"/>
+              <a:cs typeface="+mn-cs"/>
+            </a:endParaRPr>
+          </a:p>
+          <a:p>
+            <a:endParaRPr lang="en-US" altLang="ko-KR" sz="1200" b="0" i="0" kern="1200" dirty="0" smtClean="0">
+              <a:solidFill>
+                <a:schemeClr val="tx1"/>
+              </a:solidFill>
+              <a:effectLst/>
+              <a:latin typeface="+mn-lt"/>
+              <a:ea typeface="+mn-ea"/>
+              <a:cs typeface="+mn-cs"/>
+            </a:endParaRPr>
+          </a:p>
+          <a:p>
+            <a:r>
+              <a:rPr lang="en-US" altLang="ko-KR" sz="1200" b="0" i="0" kern="1200" dirty="0" smtClean="0">
+                <a:solidFill>
+                  <a:schemeClr val="tx1"/>
+                </a:solidFill>
+                <a:effectLst/>
+                <a:latin typeface="+mn-lt"/>
+                <a:ea typeface="+mn-ea"/>
+                <a:cs typeface="+mn-cs"/>
+              </a:rPr>
+              <a:t>Ingress </a:t>
+            </a:r>
+            <a:r>
+              <a:rPr lang="en-US" altLang="ko-KR" sz="1200" b="0" i="0" kern="1200" dirty="0" smtClean="0">
+                <a:solidFill>
+                  <a:schemeClr val="tx1"/>
+                </a:solidFill>
+                <a:effectLst/>
+                <a:latin typeface="+mn-lt"/>
+                <a:ea typeface="+mn-ea"/>
+                <a:cs typeface="+mn-cs"/>
+              </a:rPr>
+              <a:t>Resource: </a:t>
+            </a:r>
+            <a:r>
+              <a:rPr lang="ko-KR" altLang="en-US" sz="1200" b="0" i="0" kern="1200" dirty="0" smtClean="0">
+                <a:solidFill>
+                  <a:schemeClr val="tx1"/>
+                </a:solidFill>
+                <a:effectLst/>
+                <a:latin typeface="+mn-lt"/>
+                <a:ea typeface="+mn-ea"/>
+                <a:cs typeface="+mn-cs"/>
+              </a:rPr>
+              <a:t>라우팅 규칙을 정의하는 쿠버네티스 오브젝트</a:t>
+            </a:r>
+          </a:p>
+          <a:p>
+            <a:r>
+              <a:rPr lang="en-US" altLang="ko-KR" sz="1200" b="0" i="0" kern="1200" dirty="0" smtClean="0">
+                <a:solidFill>
+                  <a:schemeClr val="tx1"/>
+                </a:solidFill>
+                <a:effectLst/>
+                <a:latin typeface="+mn-lt"/>
+                <a:ea typeface="+mn-ea"/>
+                <a:cs typeface="+mn-cs"/>
+              </a:rPr>
+              <a:t>Ingress Controller: </a:t>
+            </a:r>
+            <a:r>
+              <a:rPr lang="ko-KR" altLang="en-US" sz="1200" b="0" i="0" kern="1200" dirty="0" smtClean="0">
+                <a:solidFill>
+                  <a:schemeClr val="tx1"/>
+                </a:solidFill>
+                <a:effectLst/>
+                <a:latin typeface="+mn-lt"/>
+                <a:ea typeface="+mn-ea"/>
+                <a:cs typeface="+mn-cs"/>
+              </a:rPr>
+              <a:t>실제 규칙을 구현하는 컨트롤러</a:t>
+            </a:r>
+            <a:r>
+              <a:rPr lang="en-US" altLang="ko-KR" sz="1200" b="0" i="0" kern="1200" dirty="0" smtClean="0">
+                <a:solidFill>
+                  <a:schemeClr val="tx1"/>
+                </a:solidFill>
+                <a:effectLst/>
+                <a:latin typeface="+mn-lt"/>
+                <a:ea typeface="+mn-ea"/>
+                <a:cs typeface="+mn-cs"/>
+              </a:rPr>
+              <a:t>(</a:t>
+            </a:r>
+            <a:r>
+              <a:rPr lang="ko-KR" altLang="en-US" sz="1200" b="0" i="0" kern="1200" dirty="0" smtClean="0">
+                <a:solidFill>
+                  <a:schemeClr val="tx1"/>
+                </a:solidFill>
+                <a:effectLst/>
+                <a:latin typeface="+mn-lt"/>
+                <a:ea typeface="+mn-ea"/>
+                <a:cs typeface="+mn-cs"/>
+              </a:rPr>
+              <a:t>예</a:t>
+            </a:r>
+            <a:r>
+              <a:rPr lang="en-US" altLang="ko-KR" sz="1200" b="0" i="0" kern="1200" dirty="0" smtClean="0">
+                <a:solidFill>
+                  <a:schemeClr val="tx1"/>
+                </a:solidFill>
+                <a:effectLst/>
+                <a:latin typeface="+mn-lt"/>
+                <a:ea typeface="+mn-ea"/>
+                <a:cs typeface="+mn-cs"/>
+              </a:rPr>
+              <a:t>: </a:t>
+            </a:r>
+            <a:r>
+              <a:rPr lang="en-US" altLang="ko-KR" sz="1200" b="0" i="0" kern="1200" dirty="0" err="1" smtClean="0">
+                <a:solidFill>
+                  <a:schemeClr val="tx1"/>
+                </a:solidFill>
+                <a:effectLst/>
+                <a:latin typeface="+mn-lt"/>
+                <a:ea typeface="+mn-ea"/>
+                <a:cs typeface="+mn-cs"/>
+              </a:rPr>
+              <a:t>nginx</a:t>
+            </a:r>
+            <a:r>
+              <a:rPr lang="en-US" altLang="ko-KR" sz="1200" b="0" i="0" kern="1200" dirty="0" smtClean="0">
+                <a:solidFill>
+                  <a:schemeClr val="tx1"/>
+                </a:solidFill>
+                <a:effectLst/>
+                <a:latin typeface="+mn-lt"/>
+                <a:ea typeface="+mn-ea"/>
+                <a:cs typeface="+mn-cs"/>
+              </a:rPr>
+              <a:t>-ingress</a:t>
+            </a:r>
+            <a:r>
+              <a:rPr lang="en-US" altLang="ko-KR" sz="1200" b="0" i="0" kern="1200" dirty="0" smtClean="0">
+                <a:solidFill>
+                  <a:schemeClr val="tx1"/>
+                </a:solidFill>
+                <a:effectLst/>
+                <a:latin typeface="+mn-lt"/>
+                <a:ea typeface="+mn-ea"/>
+                <a:cs typeface="+mn-cs"/>
+              </a:rPr>
+              <a:t>)</a:t>
+            </a:r>
             <a:endParaRPr lang="en-US" altLang="ko-KR" sz="1200" b="0" i="0" u="none" strike="noStrike" kern="1200" dirty="0" smtClean="0">
               <a:solidFill>
                 <a:schemeClr val="tx1"/>
@@ -1954,6 +1991,12 @@
                 <a:cs typeface="+mn-cs"/>
               </a:rPr>
               <a:t>.</a:t>
+            </a:r>
+          </a:p>
+          <a:p>
+            <a:r>
+              <a:rPr lang="en-US" altLang="ko-KR" smtClean="0"/>
+              <a:t>https://velog.io/@yoojinjangjang/Kubernetes-Ingress</a:t>
             </a:r>
             <a:endParaRPr lang="ko-KR" altLang="en-US" dirty="0"/>
           </a:p>
@@ -9570,11 +9613,7 @@
           <a:p>
             <a:r>
               <a:rPr lang="en-US" altLang="ko-KR" dirty="0" smtClean="0"/>
-              <a:t>(</a:t>
-            </a:r>
-            <a:r>
-              <a:rPr lang="en-US" altLang="ko-KR" dirty="0" smtClean="0"/>
-              <a:t>Network) Service</a:t>
+              <a:t>(Network) Service</a:t>
             </a:r>
           </a:p>
           <a:p>
